--- a/ゼミスライド.pptx
+++ b/ゼミスライド.pptx
@@ -3681,7 +3681,10 @@
           <a:bodyPr/>
           <a:lstStyle/>
           <a:p>
-            <a:endParaRPr kumimoji="1" lang="ja-JP" altLang="en-US"/>
+            <a:r>
+              <a:rPr kumimoji="1" lang="ja-JP" altLang="en-US"/>
+              <a:t>命苫匡真</a:t>
+            </a:r>
           </a:p>
         </p:txBody>
       </p:sp>
